--- a/projects/Zidareva ljubav DVA.pptx
+++ b/projects/Zidareva ljubav DVA.pptx
@@ -263,7 +263,7 @@
           <a:p>
             <a:fld id="{E41898F5-44F8-4CEB-BDF7-B763C2F1A9E7}" type="datetimeFigureOut">
               <a:rPr lang="en-US" smtClean="0"/>
-              <a:t>4/19/2022</a:t>
+              <a:t>4/21/2022</a:t>
             </a:fld>
             <a:endParaRPr lang="en-US"/>
           </a:p>
@@ -461,7 +461,7 @@
           <a:p>
             <a:fld id="{E41898F5-44F8-4CEB-BDF7-B763C2F1A9E7}" type="datetimeFigureOut">
               <a:rPr lang="en-US" smtClean="0"/>
-              <a:t>4/19/2022</a:t>
+              <a:t>4/21/2022</a:t>
             </a:fld>
             <a:endParaRPr lang="en-US"/>
           </a:p>
@@ -669,7 +669,7 @@
           <a:p>
             <a:fld id="{E41898F5-44F8-4CEB-BDF7-B763C2F1A9E7}" type="datetimeFigureOut">
               <a:rPr lang="en-US" smtClean="0"/>
-              <a:t>4/19/2022</a:t>
+              <a:t>4/21/2022</a:t>
             </a:fld>
             <a:endParaRPr lang="en-US"/>
           </a:p>
@@ -867,7 +867,7 @@
           <a:p>
             <a:fld id="{E41898F5-44F8-4CEB-BDF7-B763C2F1A9E7}" type="datetimeFigureOut">
               <a:rPr lang="en-US" smtClean="0"/>
-              <a:t>4/19/2022</a:t>
+              <a:t>4/21/2022</a:t>
             </a:fld>
             <a:endParaRPr lang="en-US"/>
           </a:p>
@@ -1142,7 +1142,7 @@
           <a:p>
             <a:fld id="{E41898F5-44F8-4CEB-BDF7-B763C2F1A9E7}" type="datetimeFigureOut">
               <a:rPr lang="en-US" smtClean="0"/>
-              <a:t>4/19/2022</a:t>
+              <a:t>4/21/2022</a:t>
             </a:fld>
             <a:endParaRPr lang="en-US"/>
           </a:p>
@@ -1407,7 +1407,7 @@
           <a:p>
             <a:fld id="{E41898F5-44F8-4CEB-BDF7-B763C2F1A9E7}" type="datetimeFigureOut">
               <a:rPr lang="en-US" smtClean="0"/>
-              <a:t>4/19/2022</a:t>
+              <a:t>4/21/2022</a:t>
             </a:fld>
             <a:endParaRPr lang="en-US"/>
           </a:p>
@@ -1819,7 +1819,7 @@
           <a:p>
             <a:fld id="{E41898F5-44F8-4CEB-BDF7-B763C2F1A9E7}" type="datetimeFigureOut">
               <a:rPr lang="en-US" smtClean="0"/>
-              <a:t>4/19/2022</a:t>
+              <a:t>4/21/2022</a:t>
             </a:fld>
             <a:endParaRPr lang="en-US"/>
           </a:p>
@@ -1960,7 +1960,7 @@
           <a:p>
             <a:fld id="{E41898F5-44F8-4CEB-BDF7-B763C2F1A9E7}" type="datetimeFigureOut">
               <a:rPr lang="en-US" smtClean="0"/>
-              <a:t>4/19/2022</a:t>
+              <a:t>4/21/2022</a:t>
             </a:fld>
             <a:endParaRPr lang="en-US"/>
           </a:p>
@@ -2073,7 +2073,7 @@
           <a:p>
             <a:fld id="{E41898F5-44F8-4CEB-BDF7-B763C2F1A9E7}" type="datetimeFigureOut">
               <a:rPr lang="en-US" smtClean="0"/>
-              <a:t>4/19/2022</a:t>
+              <a:t>4/21/2022</a:t>
             </a:fld>
             <a:endParaRPr lang="en-US"/>
           </a:p>
@@ -2384,7 +2384,7 @@
           <a:p>
             <a:fld id="{E41898F5-44F8-4CEB-BDF7-B763C2F1A9E7}" type="datetimeFigureOut">
               <a:rPr lang="en-US" smtClean="0"/>
-              <a:t>4/19/2022</a:t>
+              <a:t>4/21/2022</a:t>
             </a:fld>
             <a:endParaRPr lang="en-US"/>
           </a:p>
@@ -2672,7 +2672,7 @@
           <a:p>
             <a:fld id="{E41898F5-44F8-4CEB-BDF7-B763C2F1A9E7}" type="datetimeFigureOut">
               <a:rPr lang="en-US" smtClean="0"/>
-              <a:t>4/19/2022</a:t>
+              <a:t>4/21/2022</a:t>
             </a:fld>
             <a:endParaRPr lang="en-US"/>
           </a:p>
@@ -2913,7 +2913,7 @@
           <a:p>
             <a:fld id="{E41898F5-44F8-4CEB-BDF7-B763C2F1A9E7}" type="datetimeFigureOut">
               <a:rPr lang="en-US" smtClean="0"/>
-              <a:t>4/19/2022</a:t>
+              <a:t>4/21/2022</a:t>
             </a:fld>
             <a:endParaRPr lang="en-US"/>
           </a:p>
@@ -4061,7 +4061,13 @@
           <a:p>
             <a:r>
               <a:rPr lang="sr-Latn-RS" dirty="0"/>
-              <a:t>kaka melodija</a:t>
+              <a:t>kaka </a:t>
+            </a:r>
+            <a:r>
+              <a:rPr lang="sr-Latn-RS" dirty="0">
+                <a:hlinkClick r:id="rId2"/>
+              </a:rPr>
+              <a:t>melodija</a:t>
             </a:r>
             <a:endParaRPr lang="en-US" dirty="0"/>
           </a:p>
